--- a/대충 어케 생겼는지 사진.pptx
+++ b/대충 어케 생겼는지 사진.pptx
@@ -105,6 +105,11 @@
       </a:defRPr>
     </a:lvl9pPr>
   </p:defaultTextStyle>
+  <p:extLst>
+    <p:ext uri="{EFAFB233-063F-42B5-8137-9DF3F51BA10A}">
+      <p15:sldGuideLst xmlns:p15="http://schemas.microsoft.com/office/powerpoint/2012/main"/>
+    </p:ext>
+  </p:extLst>
 </p:presentation>
 </file>
 
@@ -239,7 +244,7 @@
           <a:p>
             <a:fld id="{CC285998-F066-49A5-B670-9D86B05DF26C}" type="datetimeFigureOut">
               <a:rPr lang="ko-KR" altLang="en-US" smtClean="0"/>
-              <a:t>2023-11-14</a:t>
+              <a:t>2023-11-30</a:t>
             </a:fld>
             <a:endParaRPr lang="ko-KR" altLang="en-US"/>
           </a:p>
@@ -409,7 +414,7 @@
           <a:p>
             <a:fld id="{CC285998-F066-49A5-B670-9D86B05DF26C}" type="datetimeFigureOut">
               <a:rPr lang="ko-KR" altLang="en-US" smtClean="0"/>
-              <a:t>2023-11-14</a:t>
+              <a:t>2023-11-30</a:t>
             </a:fld>
             <a:endParaRPr lang="ko-KR" altLang="en-US"/>
           </a:p>
@@ -589,7 +594,7 @@
           <a:p>
             <a:fld id="{CC285998-F066-49A5-B670-9D86B05DF26C}" type="datetimeFigureOut">
               <a:rPr lang="ko-KR" altLang="en-US" smtClean="0"/>
-              <a:t>2023-11-14</a:t>
+              <a:t>2023-11-30</a:t>
             </a:fld>
             <a:endParaRPr lang="ko-KR" altLang="en-US"/>
           </a:p>
@@ -759,7 +764,7 @@
           <a:p>
             <a:fld id="{CC285998-F066-49A5-B670-9D86B05DF26C}" type="datetimeFigureOut">
               <a:rPr lang="ko-KR" altLang="en-US" smtClean="0"/>
-              <a:t>2023-11-14</a:t>
+              <a:t>2023-11-30</a:t>
             </a:fld>
             <a:endParaRPr lang="ko-KR" altLang="en-US"/>
           </a:p>
@@ -1003,7 +1008,7 @@
           <a:p>
             <a:fld id="{CC285998-F066-49A5-B670-9D86B05DF26C}" type="datetimeFigureOut">
               <a:rPr lang="ko-KR" altLang="en-US" smtClean="0"/>
-              <a:t>2023-11-14</a:t>
+              <a:t>2023-11-30</a:t>
             </a:fld>
             <a:endParaRPr lang="ko-KR" altLang="en-US"/>
           </a:p>
@@ -1235,7 +1240,7 @@
           <a:p>
             <a:fld id="{CC285998-F066-49A5-B670-9D86B05DF26C}" type="datetimeFigureOut">
               <a:rPr lang="ko-KR" altLang="en-US" smtClean="0"/>
-              <a:t>2023-11-14</a:t>
+              <a:t>2023-11-30</a:t>
             </a:fld>
             <a:endParaRPr lang="ko-KR" altLang="en-US"/>
           </a:p>
@@ -1602,7 +1607,7 @@
           <a:p>
             <a:fld id="{CC285998-F066-49A5-B670-9D86B05DF26C}" type="datetimeFigureOut">
               <a:rPr lang="ko-KR" altLang="en-US" smtClean="0"/>
-              <a:t>2023-11-14</a:t>
+              <a:t>2023-11-30</a:t>
             </a:fld>
             <a:endParaRPr lang="ko-KR" altLang="en-US"/>
           </a:p>
@@ -1720,7 +1725,7 @@
           <a:p>
             <a:fld id="{CC285998-F066-49A5-B670-9D86B05DF26C}" type="datetimeFigureOut">
               <a:rPr lang="ko-KR" altLang="en-US" smtClean="0"/>
-              <a:t>2023-11-14</a:t>
+              <a:t>2023-11-30</a:t>
             </a:fld>
             <a:endParaRPr lang="ko-KR" altLang="en-US"/>
           </a:p>
@@ -1815,7 +1820,7 @@
           <a:p>
             <a:fld id="{CC285998-F066-49A5-B670-9D86B05DF26C}" type="datetimeFigureOut">
               <a:rPr lang="ko-KR" altLang="en-US" smtClean="0"/>
-              <a:t>2023-11-14</a:t>
+              <a:t>2023-11-30</a:t>
             </a:fld>
             <a:endParaRPr lang="ko-KR" altLang="en-US"/>
           </a:p>
@@ -2092,7 +2097,7 @@
           <a:p>
             <a:fld id="{CC285998-F066-49A5-B670-9D86B05DF26C}" type="datetimeFigureOut">
               <a:rPr lang="ko-KR" altLang="en-US" smtClean="0"/>
-              <a:t>2023-11-14</a:t>
+              <a:t>2023-11-30</a:t>
             </a:fld>
             <a:endParaRPr lang="ko-KR" altLang="en-US"/>
           </a:p>
@@ -2349,7 +2354,7 @@
           <a:p>
             <a:fld id="{CC285998-F066-49A5-B670-9D86B05DF26C}" type="datetimeFigureOut">
               <a:rPr lang="ko-KR" altLang="en-US" smtClean="0"/>
-              <a:t>2023-11-14</a:t>
+              <a:t>2023-11-30</a:t>
             </a:fld>
             <a:endParaRPr lang="ko-KR" altLang="en-US"/>
           </a:p>
@@ -2562,7 +2567,7 @@
           <a:p>
             <a:fld id="{CC285998-F066-49A5-B670-9D86B05DF26C}" type="datetimeFigureOut">
               <a:rPr lang="ko-KR" altLang="en-US" smtClean="0"/>
-              <a:t>2023-11-14</a:t>
+              <a:t>2023-11-30</a:t>
             </a:fld>
             <a:endParaRPr lang="ko-KR" altLang="en-US"/>
           </a:p>
@@ -3437,7 +3442,21 @@
                 <a:latin typeface="휴먼엑스포" panose="02030504000101010101" pitchFamily="18" charset="-127"/>
                 <a:ea typeface="휴먼엑스포" panose="02030504000101010101" pitchFamily="18" charset="-127"/>
               </a:rPr>
-              <a:t>사이트 바로가기                                   언어 변경</a:t>
+              <a:t>사이트 바로가기                           </a:t>
+            </a:r>
+            <a:r>
+              <a:rPr lang="ko-KR" altLang="en-US" dirty="0" err="1">
+                <a:latin typeface="휴먼엑스포" panose="02030504000101010101" pitchFamily="18" charset="-127"/>
+                <a:ea typeface="휴먼엑스포" panose="02030504000101010101" pitchFamily="18" charset="-127"/>
+              </a:rPr>
+              <a:t>직영몰</a:t>
+            </a:r>
+            <a:r>
+              <a:rPr lang="ko-KR" altLang="en-US" dirty="0">
+                <a:latin typeface="휴먼엑스포" panose="02030504000101010101" pitchFamily="18" charset="-127"/>
+                <a:ea typeface="휴먼엑스포" panose="02030504000101010101" pitchFamily="18" charset="-127"/>
+              </a:rPr>
+              <a:t> 바로가기</a:t>
             </a:r>
           </a:p>
         </p:txBody>
